--- a/Later/Spring/9_AOP/1/Spring AOP Overview_V1.pptx
+++ b/Later/Spring/9_AOP/1/Spring AOP Overview_V1.pptx
@@ -3828,8 +3828,8 @@
         </p:nvSpPr>
         <p:spPr>
           <a:xfrm>
-            <a:off x="307975" y="1371600"/>
-            <a:ext cx="8607425" cy="2286000"/>
+            <a:off x="115886" y="609600"/>
+            <a:ext cx="8759825" cy="2286000"/>
           </a:xfrm>
           <a:prstGeom prst="rect">
             <a:avLst/>
@@ -3973,7 +3973,15 @@
             </a:pPr>
             <a:r>
               <a:rPr lang="en-US" sz="1200" dirty="0"/>
-              <a:t>Spring AOP takes out the direct dependency of crosscutting tasks from classes that we can’t achieve through normal object oriented programming model. For example, we can have a separate class for logging but again the functional classes will have to call these methods to achieve logging across the application.</a:t>
+              <a:t>Spring AOP takes out the direct dependency of </a:t>
+            </a:r>
+            <a:r>
+              <a:rPr lang="en-US" sz="1200" dirty="0" smtClean="0"/>
+              <a:t>cross-cutting </a:t>
+            </a:r>
+            <a:r>
+              <a:rPr lang="en-US" sz="1200" dirty="0"/>
+              <a:t>tasks from classes that we can’t achieve through normal object oriented programming model. For example, we can have a separate class for logging but again the functional classes will have to call these methods to achieve logging across the application.</a:t>
             </a:r>
           </a:p>
           <a:p>
@@ -3981,6 +3989,279 @@
               <a:buFont typeface="Wingdings" pitchFamily="2" charset="2"/>
               <a:buChar char="ü"/>
             </a:pPr>
+            <a:endParaRPr lang="en-US" sz="1200" dirty="0"/>
+          </a:p>
+        </p:txBody>
+      </p:sp>
+      <p:sp>
+        <p:nvSpPr>
+          <p:cNvPr id="6" name="Rounded Rectangle 5"/>
+          <p:cNvSpPr/>
+          <p:nvPr/>
+        </p:nvSpPr>
+        <p:spPr>
+          <a:xfrm>
+            <a:off x="2609850" y="3562350"/>
+            <a:ext cx="1295400" cy="1295400"/>
+          </a:xfrm>
+          <a:prstGeom prst="roundRect">
+            <a:avLst/>
+          </a:prstGeom>
+        </p:spPr>
+        <p:style>
+          <a:lnRef idx="2">
+            <a:schemeClr val="accent4"/>
+          </a:lnRef>
+          <a:fillRef idx="1">
+            <a:schemeClr val="lt1"/>
+          </a:fillRef>
+          <a:effectRef idx="0">
+            <a:schemeClr val="accent4"/>
+          </a:effectRef>
+          <a:fontRef idx="minor">
+            <a:schemeClr val="dk1"/>
+          </a:fontRef>
+        </p:style>
+        <p:txBody>
+          <a:bodyPr rtlCol="0" anchor="ctr"/>
+          <a:lstStyle/>
+          <a:p>
+            <a:pPr algn="ctr"/>
+            <a:r>
+              <a:rPr lang="en-US" sz="1000" dirty="0" smtClean="0"/>
+              <a:t>Functions</a:t>
+            </a:r>
+          </a:p>
+          <a:p>
+            <a:pPr algn="ctr"/>
+            <a:r>
+              <a:rPr lang="en-US" sz="1000" dirty="0" smtClean="0"/>
+              <a:t>…..</a:t>
+            </a:r>
+            <a:r>
+              <a:rPr lang="en-US" sz="1000" dirty="0"/>
+              <a:t> </a:t>
+            </a:r>
+            <a:endParaRPr lang="en-US" sz="1000" dirty="0" smtClean="0"/>
+          </a:p>
+          <a:p>
+            <a:pPr algn="ctr"/>
+            <a:endParaRPr lang="en-US" sz="1000" dirty="0" smtClean="0"/>
+          </a:p>
+          <a:p>
+            <a:pPr algn="ctr"/>
+            <a:r>
+              <a:rPr lang="en-US" sz="1000" dirty="0" smtClean="0">
+                <a:solidFill>
+                  <a:srgbClr val="FF0000"/>
+                </a:solidFill>
+              </a:rPr>
+              <a:t>Cross-cutting </a:t>
+            </a:r>
+            <a:r>
+              <a:rPr lang="en-US" sz="1000" dirty="0">
+                <a:solidFill>
+                  <a:srgbClr val="FF0000"/>
+                </a:solidFill>
+              </a:rPr>
+              <a:t>tasks </a:t>
+            </a:r>
+            <a:r>
+              <a:rPr lang="en-US" sz="1000" dirty="0" smtClean="0">
+                <a:solidFill>
+                  <a:srgbClr val="FF0000"/>
+                </a:solidFill>
+              </a:rPr>
+              <a:t>(logging)</a:t>
+            </a:r>
+          </a:p>
+          <a:p>
+            <a:pPr algn="ctr"/>
+            <a:endParaRPr lang="en-US" sz="1000" dirty="0" smtClean="0"/>
+          </a:p>
+          <a:p>
+            <a:pPr algn="ctr"/>
+            <a:r>
+              <a:rPr lang="en-US" sz="1000" dirty="0" smtClean="0"/>
+              <a:t>…..</a:t>
+            </a:r>
+            <a:endParaRPr lang="en-US" sz="1000" dirty="0"/>
+          </a:p>
+          <a:p>
+            <a:pPr algn="ctr"/>
+            <a:r>
+              <a:rPr lang="en-US" sz="1000" dirty="0" smtClean="0"/>
+              <a:t>Other Functions</a:t>
+            </a:r>
+            <a:endParaRPr lang="en-US" sz="1000" dirty="0"/>
+          </a:p>
+        </p:txBody>
+      </p:sp>
+      <p:sp>
+        <p:nvSpPr>
+          <p:cNvPr id="9" name="Rounded Rectangle 8"/>
+          <p:cNvSpPr/>
+          <p:nvPr/>
+        </p:nvSpPr>
+        <p:spPr>
+          <a:xfrm>
+            <a:off x="4400549" y="3543300"/>
+            <a:ext cx="1295400" cy="1295400"/>
+          </a:xfrm>
+          <a:prstGeom prst="roundRect">
+            <a:avLst/>
+          </a:prstGeom>
+        </p:spPr>
+        <p:style>
+          <a:lnRef idx="2">
+            <a:schemeClr val="accent4"/>
+          </a:lnRef>
+          <a:fillRef idx="1">
+            <a:schemeClr val="lt1"/>
+          </a:fillRef>
+          <a:effectRef idx="0">
+            <a:schemeClr val="accent4"/>
+          </a:effectRef>
+          <a:fontRef idx="minor">
+            <a:schemeClr val="dk1"/>
+          </a:fontRef>
+        </p:style>
+        <p:txBody>
+          <a:bodyPr rtlCol="0" anchor="ctr"/>
+          <a:lstStyle/>
+          <a:p>
+            <a:pPr algn="ctr"/>
+            <a:r>
+              <a:rPr lang="en-US" sz="1000" dirty="0" smtClean="0"/>
+              <a:t>Functions</a:t>
+            </a:r>
+          </a:p>
+          <a:p>
+            <a:pPr algn="ctr"/>
+            <a:r>
+              <a:rPr lang="en-US" sz="1000" dirty="0" smtClean="0"/>
+              <a:t>…..</a:t>
+            </a:r>
+          </a:p>
+          <a:p>
+            <a:pPr algn="ctr"/>
+            <a:endParaRPr lang="en-US" sz="1000" dirty="0" smtClean="0"/>
+          </a:p>
+          <a:p>
+            <a:pPr algn="ctr"/>
+            <a:r>
+              <a:rPr lang="en-US" sz="1000" dirty="0">
+                <a:solidFill>
+                  <a:srgbClr val="FF0000"/>
+                </a:solidFill>
+              </a:rPr>
+              <a:t>Cross-cutting tasks (logging)</a:t>
+            </a:r>
+          </a:p>
+          <a:p>
+            <a:pPr algn="ctr"/>
+            <a:endParaRPr lang="en-US" sz="1000" dirty="0" smtClean="0"/>
+          </a:p>
+          <a:p>
+            <a:pPr algn="ctr"/>
+            <a:r>
+              <a:rPr lang="en-US" sz="1000" dirty="0" smtClean="0"/>
+              <a:t>…..</a:t>
+            </a:r>
+            <a:endParaRPr lang="en-US" sz="1000" dirty="0"/>
+          </a:p>
+          <a:p>
+            <a:pPr algn="ctr"/>
+            <a:r>
+              <a:rPr lang="en-US" sz="1000" dirty="0" smtClean="0"/>
+              <a:t>Other Functions</a:t>
+            </a:r>
+            <a:endParaRPr lang="en-US" sz="1000" dirty="0"/>
+          </a:p>
+        </p:txBody>
+      </p:sp>
+      <p:sp>
+        <p:nvSpPr>
+          <p:cNvPr id="7" name="TextBox 6"/>
+          <p:cNvSpPr txBox="1"/>
+          <p:nvPr/>
+        </p:nvSpPr>
+        <p:spPr>
+          <a:xfrm>
+            <a:off x="2676524" y="3199626"/>
+            <a:ext cx="1148584" cy="276999"/>
+          </a:xfrm>
+          <a:prstGeom prst="rect">
+            <a:avLst/>
+          </a:prstGeom>
+        </p:spPr>
+        <p:style>
+          <a:lnRef idx="1">
+            <a:schemeClr val="accent2"/>
+          </a:lnRef>
+          <a:fillRef idx="3">
+            <a:schemeClr val="accent2"/>
+          </a:fillRef>
+          <a:effectRef idx="2">
+            <a:schemeClr val="accent2"/>
+          </a:effectRef>
+          <a:fontRef idx="minor">
+            <a:schemeClr val="lt1"/>
+          </a:fontRef>
+        </p:style>
+        <p:txBody>
+          <a:bodyPr wrap="none" rtlCol="0">
+            <a:spAutoFit/>
+          </a:bodyPr>
+          <a:lstStyle/>
+          <a:p>
+            <a:r>
+              <a:rPr lang="en-US" sz="1200" dirty="0" smtClean="0"/>
+              <a:t>Class Employee</a:t>
+            </a:r>
+            <a:endParaRPr lang="en-US" sz="1200" dirty="0"/>
+          </a:p>
+        </p:txBody>
+      </p:sp>
+      <p:sp>
+        <p:nvSpPr>
+          <p:cNvPr id="11" name="TextBox 10"/>
+          <p:cNvSpPr txBox="1"/>
+          <p:nvPr/>
+        </p:nvSpPr>
+        <p:spPr>
+          <a:xfrm>
+            <a:off x="4524375" y="3199625"/>
+            <a:ext cx="1138453" cy="276999"/>
+          </a:xfrm>
+          <a:prstGeom prst="rect">
+            <a:avLst/>
+          </a:prstGeom>
+        </p:spPr>
+        <p:style>
+          <a:lnRef idx="1">
+            <a:schemeClr val="accent2"/>
+          </a:lnRef>
+          <a:fillRef idx="3">
+            <a:schemeClr val="accent2"/>
+          </a:fillRef>
+          <a:effectRef idx="2">
+            <a:schemeClr val="accent2"/>
+          </a:effectRef>
+          <a:fontRef idx="minor">
+            <a:schemeClr val="lt1"/>
+          </a:fontRef>
+        </p:style>
+        <p:txBody>
+          <a:bodyPr wrap="none" rtlCol="0">
+            <a:spAutoFit/>
+          </a:bodyPr>
+          <a:lstStyle/>
+          <a:p>
+            <a:r>
+              <a:rPr lang="en-US" sz="1200" dirty="0" smtClean="0"/>
+              <a:t>Class Customer</a:t>
+            </a:r>
             <a:endParaRPr lang="en-US" sz="1200" dirty="0"/>
           </a:p>
         </p:txBody>
